--- a/Generics.pptx
+++ b/Generics.pptx
@@ -229,7 +229,7 @@
           <a:p>
             <a:fld id="{C81D1D14-BC69-4E81-A241-7829F68D9A94}" type="datetimeFigureOut">
               <a:rPr lang="en-US" smtClean="0"/>
-              <a:t>10/3/16</a:t>
+              <a:t>10/6/16</a:t>
             </a:fld>
             <a:endParaRPr lang="en-US"/>
           </a:p>
@@ -723,7 +723,7 @@
           <a:p>
             <a:fld id="{E306D676-E6CE-49ED-B2E4-C47FD7365D30}" type="datetimeFigureOut">
               <a:rPr lang="en-US" smtClean="0"/>
-              <a:t>10/3/16</a:t>
+              <a:t>10/6/16</a:t>
             </a:fld>
             <a:endParaRPr lang="en-US"/>
           </a:p>
@@ -1024,7 +1024,7 @@
           <a:p>
             <a:fld id="{E306D676-E6CE-49ED-B2E4-C47FD7365D30}" type="datetimeFigureOut">
               <a:rPr lang="en-US" smtClean="0"/>
-              <a:t>10/3/16</a:t>
+              <a:t>10/6/16</a:t>
             </a:fld>
             <a:endParaRPr lang="en-US"/>
           </a:p>
@@ -1304,7 +1304,7 @@
           <a:p>
             <a:fld id="{E306D676-E6CE-49ED-B2E4-C47FD7365D30}" type="datetimeFigureOut">
               <a:rPr lang="en-US" smtClean="0"/>
-              <a:t>10/3/16</a:t>
+              <a:t>10/6/16</a:t>
             </a:fld>
             <a:endParaRPr lang="en-US"/>
           </a:p>
@@ -1498,7 +1498,7 @@
           <a:p>
             <a:fld id="{E306D676-E6CE-49ED-B2E4-C47FD7365D30}" type="datetimeFigureOut">
               <a:rPr lang="en-US" smtClean="0"/>
-              <a:t>10/3/16</a:t>
+              <a:t>10/6/16</a:t>
             </a:fld>
             <a:endParaRPr lang="en-US"/>
           </a:p>
@@ -1702,7 +1702,7 @@
           <a:p>
             <a:fld id="{E306D676-E6CE-49ED-B2E4-C47FD7365D30}" type="datetimeFigureOut">
               <a:rPr lang="en-US" smtClean="0"/>
-              <a:t>10/3/16</a:t>
+              <a:t>10/6/16</a:t>
             </a:fld>
             <a:endParaRPr lang="en-US"/>
           </a:p>
@@ -3483,7 +3483,7 @@
           <a:p>
             <a:fld id="{E306D676-E6CE-49ED-B2E4-C47FD7365D30}" type="datetimeFigureOut">
               <a:rPr lang="en-US" smtClean="0"/>
-              <a:t>10/3/16</a:t>
+              <a:t>10/6/16</a:t>
             </a:fld>
             <a:endParaRPr lang="en-US"/>
           </a:p>
@@ -3929,7 +3929,7 @@
           <a:p>
             <a:fld id="{E306D676-E6CE-49ED-B2E4-C47FD7365D30}" type="datetimeFigureOut">
               <a:rPr lang="en-US" smtClean="0"/>
-              <a:t>10/3/16</a:t>
+              <a:t>10/6/16</a:t>
             </a:fld>
             <a:endParaRPr lang="en-US"/>
           </a:p>
@@ -4648,7 +4648,7 @@
             <a:fld id="{E306D676-E6CE-49ED-B2E4-C47FD7365D30}" type="datetimeFigureOut">
               <a:rPr lang="en-US" smtClean="0"/>
               <a:pPr/>
-              <a:t>10/3/16</a:t>
+              <a:t>10/6/16</a:t>
             </a:fld>
             <a:endParaRPr lang="en-US"/>
           </a:p>
@@ -5335,8 +5335,8 @@
         </p:nvSpPr>
         <p:spPr>
           <a:xfrm>
-            <a:off x="609600" y="742950"/>
-            <a:ext cx="6934200" cy="3477875"/>
+            <a:off x="609600" y="438150"/>
+            <a:ext cx="7467600" cy="4154984"/>
           </a:xfrm>
           <a:prstGeom prst="rect">
             <a:avLst/>
@@ -5359,8 +5359,51 @@
                   <a:schemeClr val="bg1"/>
                 </a:solidFill>
               </a:rPr>
-              <a:t>Generic Functions</a:t>
-            </a:r>
+              <a:t>Generic </a:t>
+            </a:r>
+            <a:r>
+              <a:rPr lang="en-US" sz="4400" dirty="0" smtClean="0">
+                <a:solidFill>
+                  <a:schemeClr val="bg1"/>
+                </a:solidFill>
+              </a:rPr>
+              <a:t>Functions</a:t>
+            </a:r>
+          </a:p>
+          <a:p>
+            <a:pPr marL="571500" indent="-571500">
+              <a:buFont typeface="Arial" charset="0"/>
+              <a:buChar char="•"/>
+            </a:pPr>
+            <a:r>
+              <a:rPr lang="en-US" sz="4400" dirty="0" smtClean="0">
+                <a:solidFill>
+                  <a:schemeClr val="bg1"/>
+                </a:solidFill>
+              </a:rPr>
+              <a:t>Generic Classes </a:t>
+            </a:r>
+            <a:r>
+              <a:rPr lang="en-US" sz="4400" dirty="0" err="1" smtClean="0">
+                <a:solidFill>
+                  <a:schemeClr val="bg1"/>
+                </a:solidFill>
+              </a:rPr>
+              <a:t>và</a:t>
+            </a:r>
+            <a:r>
+              <a:rPr lang="en-US" sz="4400" dirty="0" smtClean="0">
+                <a:solidFill>
+                  <a:schemeClr val="bg1"/>
+                </a:solidFill>
+              </a:rPr>
+              <a:t> Structures</a:t>
+            </a:r>
+            <a:endParaRPr lang="en-US" sz="4400" dirty="0" smtClean="0">
+              <a:solidFill>
+                <a:schemeClr val="bg1"/>
+              </a:solidFill>
+            </a:endParaRPr>
           </a:p>
           <a:p>
             <a:pPr marL="571500" indent="-571500">
